--- a/ss.pptx
+++ b/ss.pptx
@@ -18,6 +18,7 @@
     <p:sldId id="266" r:id="rId12"/>
     <p:sldId id="267" r:id="rId13"/>
     <p:sldId id="268" r:id="rId14"/>
+    <p:sldId id="269" r:id="rId15"/>
   </p:sldIdLst>
   <p:sldSz cx="12192000" cy="6858000"/>
   <p:notesSz cx="6858000" cy="9144000"/>
@@ -116,6 +117,11 @@
       </a:defRPr>
     </a:lvl9pPr>
   </p:defaultTextStyle>
+  <p:extLst>
+    <p:ext uri="{EFAFB233-063F-42B5-8137-9DF3F51BA10A}">
+      <p15:sldGuideLst xmlns:p15="http://schemas.microsoft.com/office/powerpoint/2012/main"/>
+    </p:ext>
+  </p:extLst>
 </p:presentation>
 </file>
 
@@ -266,7 +272,7 @@
           <a:p>
             <a:fld id="{239FACB6-2933-4AAF-8CFC-BDC9526AC3F8}" type="datetimeFigureOut">
               <a:rPr kumimoji="1" lang="ja-JP" altLang="en-US" smtClean="0"/>
-              <a:t>2023/2/27</a:t>
+              <a:t>2023/3/1</a:t>
             </a:fld>
             <a:endParaRPr kumimoji="1" lang="ja-JP" altLang="en-US"/>
           </a:p>
@@ -496,7 +502,7 @@
           <a:p>
             <a:fld id="{239FACB6-2933-4AAF-8CFC-BDC9526AC3F8}" type="datetimeFigureOut">
               <a:rPr kumimoji="1" lang="ja-JP" altLang="en-US" smtClean="0"/>
-              <a:t>2023/2/27</a:t>
+              <a:t>2023/3/1</a:t>
             </a:fld>
             <a:endParaRPr kumimoji="1" lang="ja-JP" altLang="en-US"/>
           </a:p>
@@ -736,7 +742,7 @@
           <a:p>
             <a:fld id="{239FACB6-2933-4AAF-8CFC-BDC9526AC3F8}" type="datetimeFigureOut">
               <a:rPr kumimoji="1" lang="ja-JP" altLang="en-US" smtClean="0"/>
-              <a:t>2023/2/27</a:t>
+              <a:t>2023/3/1</a:t>
             </a:fld>
             <a:endParaRPr kumimoji="1" lang="ja-JP" altLang="en-US"/>
           </a:p>
@@ -966,7 +972,7 @@
           <a:p>
             <a:fld id="{239FACB6-2933-4AAF-8CFC-BDC9526AC3F8}" type="datetimeFigureOut">
               <a:rPr kumimoji="1" lang="ja-JP" altLang="en-US" smtClean="0"/>
-              <a:t>2023/2/27</a:t>
+              <a:t>2023/3/1</a:t>
             </a:fld>
             <a:endParaRPr kumimoji="1" lang="ja-JP" altLang="en-US"/>
           </a:p>
@@ -1241,7 +1247,7 @@
           <a:p>
             <a:fld id="{239FACB6-2933-4AAF-8CFC-BDC9526AC3F8}" type="datetimeFigureOut">
               <a:rPr kumimoji="1" lang="ja-JP" altLang="en-US" smtClean="0"/>
-              <a:t>2023/2/27</a:t>
+              <a:t>2023/3/1</a:t>
             </a:fld>
             <a:endParaRPr kumimoji="1" lang="ja-JP" altLang="en-US"/>
           </a:p>
@@ -1570,7 +1576,7 @@
           <a:p>
             <a:fld id="{239FACB6-2933-4AAF-8CFC-BDC9526AC3F8}" type="datetimeFigureOut">
               <a:rPr kumimoji="1" lang="ja-JP" altLang="en-US" smtClean="0"/>
-              <a:t>2023/2/27</a:t>
+              <a:t>2023/3/1</a:t>
             </a:fld>
             <a:endParaRPr kumimoji="1" lang="ja-JP" altLang="en-US"/>
           </a:p>
@@ -2046,7 +2052,7 @@
           <a:p>
             <a:fld id="{239FACB6-2933-4AAF-8CFC-BDC9526AC3F8}" type="datetimeFigureOut">
               <a:rPr kumimoji="1" lang="ja-JP" altLang="en-US" smtClean="0"/>
-              <a:t>2023/2/27</a:t>
+              <a:t>2023/3/1</a:t>
             </a:fld>
             <a:endParaRPr kumimoji="1" lang="ja-JP" altLang="en-US"/>
           </a:p>
@@ -2187,7 +2193,7 @@
           <a:p>
             <a:fld id="{239FACB6-2933-4AAF-8CFC-BDC9526AC3F8}" type="datetimeFigureOut">
               <a:rPr kumimoji="1" lang="ja-JP" altLang="en-US" smtClean="0"/>
-              <a:t>2023/2/27</a:t>
+              <a:t>2023/3/1</a:t>
             </a:fld>
             <a:endParaRPr kumimoji="1" lang="ja-JP" altLang="en-US"/>
           </a:p>
@@ -2300,7 +2306,7 @@
           <a:p>
             <a:fld id="{239FACB6-2933-4AAF-8CFC-BDC9526AC3F8}" type="datetimeFigureOut">
               <a:rPr kumimoji="1" lang="ja-JP" altLang="en-US" smtClean="0"/>
-              <a:t>2023/2/27</a:t>
+              <a:t>2023/3/1</a:t>
             </a:fld>
             <a:endParaRPr kumimoji="1" lang="ja-JP" altLang="en-US"/>
           </a:p>
@@ -2643,7 +2649,7 @@
           <a:p>
             <a:fld id="{239FACB6-2933-4AAF-8CFC-BDC9526AC3F8}" type="datetimeFigureOut">
               <a:rPr kumimoji="1" lang="ja-JP" altLang="en-US" smtClean="0"/>
-              <a:t>2023/2/27</a:t>
+              <a:t>2023/3/1</a:t>
             </a:fld>
             <a:endParaRPr kumimoji="1" lang="ja-JP" altLang="en-US"/>
           </a:p>
@@ -2931,7 +2937,7 @@
           <a:p>
             <a:fld id="{239FACB6-2933-4AAF-8CFC-BDC9526AC3F8}" type="datetimeFigureOut">
               <a:rPr kumimoji="1" lang="ja-JP" altLang="en-US" smtClean="0"/>
-              <a:t>2023/2/27</a:t>
+              <a:t>2023/3/1</a:t>
             </a:fld>
             <a:endParaRPr kumimoji="1" lang="ja-JP" altLang="en-US"/>
           </a:p>
@@ -3204,7 +3210,7 @@
           <a:p>
             <a:fld id="{239FACB6-2933-4AAF-8CFC-BDC9526AC3F8}" type="datetimeFigureOut">
               <a:rPr kumimoji="1" lang="ja-JP" altLang="en-US" smtClean="0"/>
-              <a:t>2023/2/27</a:t>
+              <a:t>2023/3/1</a:t>
             </a:fld>
             <a:endParaRPr kumimoji="1" lang="ja-JP" altLang="en-US"/>
           </a:p>
@@ -3956,6 +3962,107 @@
     <p:extLst>
       <p:ext uri="{BB962C8B-B14F-4D97-AF65-F5344CB8AC3E}">
         <p14:creationId xmlns:p14="http://schemas.microsoft.com/office/powerpoint/2010/main" val="3371241352"/>
+      </p:ext>
+    </p:extLst>
+  </p:cSld>
+  <p:clrMapOvr>
+    <a:masterClrMapping/>
+  </p:clrMapOvr>
+</p:sld>
+</file>
+
+<file path=ppt/slides/slide14.xml><?xml version="1.0" encoding="utf-8"?>
+<p:sld xmlns:a="http://schemas.openxmlformats.org/drawingml/2006/main" xmlns:r="http://schemas.openxmlformats.org/officeDocument/2006/relationships" xmlns:p="http://schemas.openxmlformats.org/presentationml/2006/main">
+  <p:cSld>
+    <p:spTree>
+      <p:nvGrpSpPr>
+        <p:cNvPr id="1" name=""/>
+        <p:cNvGrpSpPr/>
+        <p:nvPr/>
+      </p:nvGrpSpPr>
+      <p:grpSpPr>
+        <a:xfrm>
+          <a:off x="0" y="0"/>
+          <a:ext cx="0" cy="0"/>
+          <a:chOff x="0" y="0"/>
+          <a:chExt cx="0" cy="0"/>
+        </a:xfrm>
+      </p:grpSpPr>
+      <p:pic>
+        <p:nvPicPr>
+          <p:cNvPr id="3" name="図 2">
+            <a:extLst>
+              <a:ext uri="{FF2B5EF4-FFF2-40B4-BE49-F238E27FC236}">
+                <a16:creationId xmlns:a16="http://schemas.microsoft.com/office/drawing/2014/main" id="{71364235-D4B0-E9EC-2B18-2621F7DA09FD}"/>
+              </a:ext>
+            </a:extLst>
+          </p:cNvPr>
+          <p:cNvPicPr>
+            <a:picLocks noChangeAspect="1"/>
+          </p:cNvPicPr>
+          <p:nvPr/>
+        </p:nvPicPr>
+        <p:blipFill>
+          <a:blip r:embed="rId2"/>
+          <a:stretch>
+            <a:fillRect/>
+          </a:stretch>
+        </p:blipFill>
+        <p:spPr>
+          <a:xfrm>
+            <a:off x="1519334" y="0"/>
+            <a:ext cx="9153331" cy="6858000"/>
+          </a:xfrm>
+          <a:prstGeom prst="rect">
+            <a:avLst/>
+          </a:prstGeom>
+        </p:spPr>
+      </p:pic>
+      <p:pic>
+        <p:nvPicPr>
+          <p:cNvPr id="4" name="図 3">
+            <a:extLst>
+              <a:ext uri="{FF2B5EF4-FFF2-40B4-BE49-F238E27FC236}">
+                <a16:creationId xmlns:a16="http://schemas.microsoft.com/office/drawing/2014/main" id="{C5303BFC-8AE7-461A-0844-F2116BC05A32}"/>
+              </a:ext>
+            </a:extLst>
+          </p:cNvPr>
+          <p:cNvPicPr>
+            <a:picLocks noChangeAspect="1"/>
+          </p:cNvPicPr>
+          <p:nvPr/>
+        </p:nvPicPr>
+        <p:blipFill rotWithShape="1">
+          <a:blip r:embed="rId3">
+            <a:extLst>
+              <a:ext uri="{BEBA8EAE-BF5A-486C-A8C5-ECC9F3942E4B}">
+                <a14:imgProps xmlns:a14="http://schemas.microsoft.com/office/drawing/2010/main">
+                  <a14:imgLayer r:embed="rId4">
+                    <a14:imgEffect>
+                      <a14:artisticBlur/>
+                    </a14:imgEffect>
+                  </a14:imgLayer>
+                </a14:imgProps>
+              </a:ext>
+            </a:extLst>
+          </a:blip>
+          <a:srcRect l="19093" t="19547" r="28728" b="5760"/>
+          <a:stretch/>
+        </p:blipFill>
+        <p:spPr>
+          <a:xfrm>
+            <a:off x="3266984" y="1340528"/>
+            <a:ext cx="4776186" cy="5122416"/>
+          </a:xfrm>
+          <a:prstGeom prst="rect">
+            <a:avLst/>
+          </a:prstGeom>
+        </p:spPr>
+      </p:pic>
+    </p:spTree>
+    <p:extLst>
+      <p:ext uri="{BB962C8B-B14F-4D97-AF65-F5344CB8AC3E}">
+        <p14:creationId xmlns:p14="http://schemas.microsoft.com/office/powerpoint/2010/main" val="1540961092"/>
       </p:ext>
     </p:extLst>
   </p:cSld>
